--- a/docs/Dino_Run_Presentation.pptx
+++ b/docs/Dino_Run_Presentation.pptx
@@ -5668,7 +5668,7 @@
             <a:pPr lvl="1"/>
             <a:r>
               <a:rPr lang="en-US" sz="1800" dirty="0"/>
-              <a:t>describe how you use the timers and interrupts in your project </a:t>
+              <a:t>Gravity is applied continuously using interrupts</a:t>
             </a:r>
             <a:endParaRPr lang="en-US" dirty="0"/>
           </a:p>
@@ -6189,14 +6189,7 @@
             <a:pPr lvl="1"/>
             <a:r>
               <a:rPr lang="en-US" sz="1800" dirty="0"/>
-              <a:t>describe how you use the sound devices (speakers or input channels) in the project</a:t>
-            </a:r>
-          </a:p>
-          <a:p>
-            <a:pPr lvl="1"/>
-            <a:r>
-              <a:rPr lang="en-US" sz="1800" dirty="0"/>
-              <a:t>The </a:t>
+              <a:t>Game music handled with the </a:t>
             </a:r>
             <a:r>
               <a:rPr lang="en-US" sz="1800" dirty="0" err="1"/>
@@ -6204,13 +6197,8 @@
             </a:r>
             <a:r>
               <a:rPr lang="en-US" sz="1800" dirty="0"/>
-              <a:t> library is </a:t>
-            </a:r>
-          </a:p>
-          <a:p>
-            <a:pPr marL="456913" lvl="1" indent="0">
-              <a:buNone/>
-            </a:pPr>
+              <a:t> library to loop 4wtudone.it in the background</a:t>
+            </a:r>
             <a:endParaRPr lang="en-US" sz="1600" dirty="0"/>
           </a:p>
           <a:p>
@@ -6251,8 +6239,13 @@
             <a:pPr lvl="1"/>
             <a:r>
               <a:rPr lang="en-US" sz="1800" dirty="0"/>
-              <a:t>The main playable character is a dinosaur sprite, moving across the map.</a:t>
-            </a:r>
+              <a:t>The main playable character is a dinosaur sprite, moving across the map and jumping in response to </a:t>
+            </a:r>
+            <a:r>
+              <a:rPr lang="en-US" sz="1800"/>
+              <a:t>key presses.</a:t>
+            </a:r>
+            <a:endParaRPr lang="en-US" sz="1800" dirty="0"/>
           </a:p>
           <a:p>
             <a:endParaRPr lang="en-US" sz="2200" dirty="0"/>
@@ -6408,39 +6401,26 @@
                                   </p:childTnLst>
                                 </p:cTn>
                               </p:par>
+                            </p:childTnLst>
+                          </p:cTn>
+                        </p:par>
+                      </p:childTnLst>
+                    </p:cTn>
+                  </p:par>
+                  <p:par>
+                    <p:cTn id="13" fill="hold">
+                      <p:stCondLst>
+                        <p:cond delay="indefinite"/>
+                      </p:stCondLst>
+                      <p:childTnLst>
+                        <p:par>
+                          <p:cTn id="14" fill="hold">
+                            <p:stCondLst>
+                              <p:cond delay="0"/>
+                            </p:stCondLst>
+                            <p:childTnLst>
                               <p:par>
-                                <p:cTn id="13" presetID="1" presetClass="entr" presetSubtype="0" fill="hold" grpId="0" nodeType="withEffect">
-                                  <p:stCondLst>
-                                    <p:cond delay="0"/>
-                                  </p:stCondLst>
-                                  <p:childTnLst>
-                                    <p:set>
-                                      <p:cBhvr>
-                                        <p:cTn id="14" dur="1" fill="hold">
-                                          <p:stCondLst>
-                                            <p:cond delay="0"/>
-                                          </p:stCondLst>
-                                        </p:cTn>
-                                        <p:tgtEl>
-                                          <p:spTgt spid="10">
-                                            <p:txEl>
-                                              <p:pRg st="5" end="5"/>
-                                            </p:txEl>
-                                          </p:spTgt>
-                                        </p:tgtEl>
-                                        <p:attrNameLst>
-                                          <p:attrName>style.visibility</p:attrName>
-                                        </p:attrNameLst>
-                                      </p:cBhvr>
-                                      <p:to>
-                                        <p:strVal val="visible"/>
-                                      </p:to>
-                                    </p:set>
-                                  </p:childTnLst>
-                                </p:cTn>
-                              </p:par>
-                              <p:par>
-                                <p:cTn id="15" presetID="1" presetClass="entr" presetSubtype="0" fill="hold" grpId="0" nodeType="withEffect">
+                                <p:cTn id="15" presetID="1" presetClass="entr" presetSubtype="0" fill="hold" grpId="0" nodeType="clickEffect">
                                   <p:stCondLst>
                                     <p:cond delay="0"/>
                                   </p:stCondLst>
@@ -6470,33 +6450,15 @@
                                   </p:childTnLst>
                                 </p:cTn>
                               </p:par>
-                            </p:childTnLst>
-                          </p:cTn>
-                        </p:par>
-                      </p:childTnLst>
-                    </p:cTn>
-                  </p:par>
-                  <p:par>
-                    <p:cTn id="17" fill="hold">
-                      <p:stCondLst>
-                        <p:cond delay="indefinite"/>
-                      </p:stCondLst>
-                      <p:childTnLst>
-                        <p:par>
-                          <p:cTn id="18" fill="hold">
-                            <p:stCondLst>
-                              <p:cond delay="0"/>
-                            </p:stCondLst>
-                            <p:childTnLst>
                               <p:par>
-                                <p:cTn id="19" presetID="1" presetClass="entr" presetSubtype="0" fill="hold" grpId="0" nodeType="clickEffect">
+                                <p:cTn id="17" presetID="1" presetClass="entr" presetSubtype="0" fill="hold" grpId="0" nodeType="withEffect">
                                   <p:stCondLst>
                                     <p:cond delay="0"/>
                                   </p:stCondLst>
                                   <p:childTnLst>
                                     <p:set>
                                       <p:cBhvr>
-                                        <p:cTn id="20" dur="1" fill="hold">
+                                        <p:cTn id="18" dur="1" fill="hold">
                                           <p:stCondLst>
                                             <p:cond delay="0"/>
                                           </p:stCondLst>
@@ -6504,7 +6466,7 @@
                                         <p:tgtEl>
                                           <p:spTgt spid="10">
                                             <p:txEl>
-                                              <p:pRg st="8" end="8"/>
+                                              <p:pRg st="7" end="7"/>
                                             </p:txEl>
                                           </p:spTgt>
                                         </p:tgtEl>
@@ -6519,8 +6481,26 @@
                                   </p:childTnLst>
                                 </p:cTn>
                               </p:par>
+                            </p:childTnLst>
+                          </p:cTn>
+                        </p:par>
+                      </p:childTnLst>
+                    </p:cTn>
+                  </p:par>
+                  <p:par>
+                    <p:cTn id="19" fill="hold">
+                      <p:stCondLst>
+                        <p:cond delay="indefinite"/>
+                      </p:stCondLst>
+                      <p:childTnLst>
+                        <p:par>
+                          <p:cTn id="20" fill="hold">
+                            <p:stCondLst>
+                              <p:cond delay="0"/>
+                            </p:stCondLst>
+                            <p:childTnLst>
                               <p:par>
-                                <p:cTn id="21" presetID="1" presetClass="entr" presetSubtype="0" fill="hold" grpId="0" nodeType="withEffect">
+                                <p:cTn id="21" presetID="1" presetClass="entr" presetSubtype="0" fill="hold" grpId="0" nodeType="clickEffect">
                                   <p:stCondLst>
                                     <p:cond delay="0"/>
                                   </p:stCondLst>
@@ -6550,33 +6530,15 @@
                                   </p:childTnLst>
                                 </p:cTn>
                               </p:par>
-                            </p:childTnLst>
-                          </p:cTn>
-                        </p:par>
-                      </p:childTnLst>
-                    </p:cTn>
-                  </p:par>
-                  <p:par>
-                    <p:cTn id="23" fill="hold">
-                      <p:stCondLst>
-                        <p:cond delay="indefinite"/>
-                      </p:stCondLst>
-                      <p:childTnLst>
-                        <p:par>
-                          <p:cTn id="24" fill="hold">
-                            <p:stCondLst>
-                              <p:cond delay="0"/>
-                            </p:stCondLst>
-                            <p:childTnLst>
                               <p:par>
-                                <p:cTn id="25" presetID="1" presetClass="entr" presetSubtype="0" fill="hold" grpId="0" nodeType="clickEffect">
+                                <p:cTn id="23" presetID="1" presetClass="entr" presetSubtype="0" fill="hold" grpId="0" nodeType="withEffect">
                                   <p:stCondLst>
                                     <p:cond delay="0"/>
                                   </p:stCondLst>
                                   <p:childTnLst>
                                     <p:set>
                                       <p:cBhvr>
-                                        <p:cTn id="26" dur="1" fill="hold">
+                                        <p:cTn id="24" dur="1" fill="hold">
                                           <p:stCondLst>
                                             <p:cond delay="0"/>
                                           </p:stCondLst>
@@ -6584,38 +6546,7 @@
                                         <p:tgtEl>
                                           <p:spTgt spid="10">
                                             <p:txEl>
-                                              <p:pRg st="11" end="11"/>
-                                            </p:txEl>
-                                          </p:spTgt>
-                                        </p:tgtEl>
-                                        <p:attrNameLst>
-                                          <p:attrName>style.visibility</p:attrName>
-                                        </p:attrNameLst>
-                                      </p:cBhvr>
-                                      <p:to>
-                                        <p:strVal val="visible"/>
-                                      </p:to>
-                                    </p:set>
-                                  </p:childTnLst>
-                                </p:cTn>
-                              </p:par>
-                              <p:par>
-                                <p:cTn id="27" presetID="1" presetClass="entr" presetSubtype="0" fill="hold" grpId="0" nodeType="withEffect">
-                                  <p:stCondLst>
-                                    <p:cond delay="0"/>
-                                  </p:stCondLst>
-                                  <p:childTnLst>
-                                    <p:set>
-                                      <p:cBhvr>
-                                        <p:cTn id="28" dur="1" fill="hold">
-                                          <p:stCondLst>
-                                            <p:cond delay="0"/>
-                                          </p:stCondLst>
-                                        </p:cTn>
-                                        <p:tgtEl>
-                                          <p:spTgt spid="10">
-                                            <p:txEl>
-                                              <p:pRg st="12" end="12"/>
+                                              <p:pRg st="10" end="10"/>
                                             </p:txEl>
                                           </p:spTgt>
                                         </p:tgtEl>

--- a/docs/Dino_Run_Presentation.pptx
+++ b/docs/Dino_Run_Presentation.pptx
@@ -6239,13 +6239,8 @@
             <a:pPr lvl="1"/>
             <a:r>
               <a:rPr lang="en-US" sz="1800" dirty="0"/>
-              <a:t>The main playable character is a dinosaur sprite, moving across the map and jumping in response to </a:t>
-            </a:r>
-            <a:r>
-              <a:rPr lang="en-US" sz="1800"/>
-              <a:t>key presses.</a:t>
-            </a:r>
-            <a:endParaRPr lang="en-US" sz="1800" dirty="0"/>
+              <a:t>The main playable character is a dinosaur sprite, moving across the map and jumping in response to key presses.</a:t>
+            </a:r>
           </a:p>
           <a:p>
             <a:endParaRPr lang="en-US" sz="2200" dirty="0"/>

--- a/docs/Dino_Run_Presentation.pptx
+++ b/docs/Dino_Run_Presentation.pptx
@@ -5668,34 +5668,65 @@
             <a:pPr lvl="1"/>
             <a:r>
               <a:rPr lang="en-US" sz="1800" dirty="0"/>
-              <a:t>Gravity is applied continuously using interrupts</a:t>
-            </a:r>
-            <a:endParaRPr lang="en-US" dirty="0"/>
-          </a:p>
-          <a:p>
-            <a:pPr>
+              <a:t>The physics is updated up to 60 times a second, based on the state of jumping + applied gravity</a:t>
+            </a:r>
+          </a:p>
+          <a:p>
+            <a:pPr lvl="1"/>
+            <a:r>
+              <a:rPr lang="en-US" sz="1800" dirty="0"/>
+              <a:t>Collisions are tested more frequently(4 times a second), obstacles and items are introduced at regular intervals (5 and 11 seconds, and 6 seconds respectively)</a:t>
+            </a:r>
+            <a:endParaRPr lang="en-US" sz="1600" dirty="0"/>
+          </a:p>
+          <a:p>
+            <a:r>
+              <a:rPr lang="en-US" sz="2000" b="1" dirty="0"/>
+              <a:t>Graphics </a:t>
+            </a:r>
+          </a:p>
+          <a:p>
+            <a:pPr lvl="1"/>
+            <a:r>
+              <a:rPr lang="en-US" sz="1800" dirty="0"/>
+              <a:t>The background is initialized with tile mode using the main and sub engine since it consists of solid </a:t>
+            </a:r>
+            <a:r>
+              <a:rPr lang="en-US" sz="1800" dirty="0" err="1"/>
+              <a:t>colours</a:t>
+            </a:r>
+            <a:endParaRPr lang="en-US" sz="1800" dirty="0"/>
+          </a:p>
+          <a:p>
+            <a:pPr marL="456913" lvl="1" indent="0">
               <a:buNone/>
             </a:pPr>
-            <a:endParaRPr lang="en-US" sz="1600" dirty="0"/>
-          </a:p>
-          <a:p>
-            <a:r>
-              <a:rPr lang="en-US" sz="2000" b="1" dirty="0"/>
-              <a:t>Graphics </a:t>
-            </a:r>
-          </a:p>
-          <a:p>
-            <a:pPr lvl="1"/>
             <a:r>
               <a:rPr lang="en-US" sz="1800" dirty="0"/>
-              <a:t>describe how you use the main/sub screen in the project</a:t>
-            </a:r>
-          </a:p>
-          <a:p>
-            <a:pPr>
+              <a:t>	    - 2 layers of main: permanent background, moving </a:t>
+            </a:r>
+            <a:r>
+              <a:rPr lang="en-US" sz="1800" dirty="0" err="1"/>
+              <a:t>collidables</a:t>
+            </a:r>
+            <a:endParaRPr lang="en-US" sz="1800" dirty="0"/>
+          </a:p>
+          <a:p>
+            <a:pPr marL="913832" lvl="2" indent="0">
               <a:buNone/>
             </a:pPr>
-            <a:endParaRPr lang="en-US" sz="1600" dirty="0"/>
+            <a:r>
+              <a:rPr lang="en-US" sz="1600" dirty="0"/>
+              <a:t>     - The </a:t>
+            </a:r>
+            <a:r>
+              <a:rPr lang="en-US" sz="1600" dirty="0" err="1"/>
+              <a:t>dino</a:t>
+            </a:r>
+            <a:r>
+              <a:rPr lang="en-US" sz="1600" dirty="0"/>
+              <a:t> sprite is used as the main character, taking up another VRAM bank</a:t>
+            </a:r>
           </a:p>
           <a:p>
             <a:r>
@@ -5707,10 +5738,15 @@
             <a:pPr lvl="1"/>
             <a:r>
               <a:rPr lang="en-US" sz="1800" dirty="0"/>
-              <a:t>describe how you use the keypad in the project</a:t>
-            </a:r>
-          </a:p>
-          <a:p>
+              <a:t>Press up or A to start the game/make the sprite jump</a:t>
+            </a:r>
+          </a:p>
+          <a:p>
+            <a:pPr lvl="1"/>
+            <a:r>
+              <a:rPr lang="en-US" sz="1800" dirty="0"/>
+              <a:t>Press left and right to move within the bounds of the screen</a:t>
+            </a:r>
             <a:endParaRPr lang="en-US" sz="2000" dirty="0"/>
           </a:p>
           <a:p>
@@ -5867,37 +5903,6 @@
                                   </p:childTnLst>
                                 </p:cTn>
                               </p:par>
-                              <p:par>
-                                <p:cTn id="13" presetID="1" presetClass="entr" presetSubtype="0" fill="hold" grpId="0" nodeType="withEffect">
-                                  <p:stCondLst>
-                                    <p:cond delay="0"/>
-                                  </p:stCondLst>
-                                  <p:childTnLst>
-                                    <p:set>
-                                      <p:cBhvr>
-                                        <p:cTn id="14" dur="1" fill="hold">
-                                          <p:stCondLst>
-                                            <p:cond delay="0"/>
-                                          </p:stCondLst>
-                                        </p:cTn>
-                                        <p:tgtEl>
-                                          <p:spTgt spid="10">
-                                            <p:txEl>
-                                              <p:pRg st="4" end="4"/>
-                                            </p:txEl>
-                                          </p:spTgt>
-                                        </p:tgtEl>
-                                        <p:attrNameLst>
-                                          <p:attrName>style.visibility</p:attrName>
-                                        </p:attrNameLst>
-                                      </p:cBhvr>
-                                      <p:to>
-                                        <p:strVal val="visible"/>
-                                      </p:to>
-                                    </p:set>
-                                  </p:childTnLst>
-                                </p:cTn>
-                              </p:par>
                             </p:childTnLst>
                           </p:cTn>
                         </p:par>
@@ -5905,26 +5910,26 @@
                     </p:cTn>
                   </p:par>
                   <p:par>
-                    <p:cTn id="15" fill="hold">
+                    <p:cTn id="13" fill="hold">
                       <p:stCondLst>
                         <p:cond delay="indefinite"/>
                       </p:stCondLst>
                       <p:childTnLst>
                         <p:par>
-                          <p:cTn id="16" fill="hold">
+                          <p:cTn id="14" fill="hold">
                             <p:stCondLst>
                               <p:cond delay="0"/>
                             </p:stCondLst>
                             <p:childTnLst>
                               <p:par>
-                                <p:cTn id="17" presetID="1" presetClass="entr" presetSubtype="0" fill="hold" grpId="0" nodeType="clickEffect">
+                                <p:cTn id="15" presetID="1" presetClass="entr" presetSubtype="0" fill="hold" grpId="0" nodeType="clickEffect">
                                   <p:stCondLst>
                                     <p:cond delay="0"/>
                                   </p:stCondLst>
                                   <p:childTnLst>
                                     <p:set>
                                       <p:cBhvr>
-                                        <p:cTn id="18" dur="1" fill="hold">
+                                        <p:cTn id="16" dur="1" fill="hold">
                                           <p:stCondLst>
                                             <p:cond delay="0"/>
                                           </p:stCondLst>
@@ -5947,8 +5952,26 @@
                                   </p:childTnLst>
                                 </p:cTn>
                               </p:par>
+                            </p:childTnLst>
+                          </p:cTn>
+                        </p:par>
+                      </p:childTnLst>
+                    </p:cTn>
+                  </p:par>
+                  <p:par>
+                    <p:cTn id="17" fill="hold">
+                      <p:stCondLst>
+                        <p:cond delay="indefinite"/>
+                      </p:stCondLst>
+                      <p:childTnLst>
+                        <p:par>
+                          <p:cTn id="18" fill="hold">
+                            <p:stCondLst>
+                              <p:cond delay="0"/>
+                            </p:stCondLst>
+                            <p:childTnLst>
                               <p:par>
-                                <p:cTn id="19" presetID="1" presetClass="entr" presetSubtype="0" fill="hold" grpId="0" nodeType="withEffect">
+                                <p:cTn id="19" presetID="1" presetClass="entr" presetSubtype="0" fill="hold" grpId="0" nodeType="clickEffect">
                                   <p:stCondLst>
                                     <p:cond delay="0"/>
                                   </p:stCondLst>
@@ -5956,86 +5979,6 @@
                                     <p:set>
                                       <p:cBhvr>
                                         <p:cTn id="20" dur="1" fill="hold">
-                                          <p:stCondLst>
-                                            <p:cond delay="0"/>
-                                          </p:stCondLst>
-                                        </p:cTn>
-                                        <p:tgtEl>
-                                          <p:spTgt spid="10">
-                                            <p:txEl>
-                                              <p:pRg st="7" end="7"/>
-                                            </p:txEl>
-                                          </p:spTgt>
-                                        </p:tgtEl>
-                                        <p:attrNameLst>
-                                          <p:attrName>style.visibility</p:attrName>
-                                        </p:attrNameLst>
-                                      </p:cBhvr>
-                                      <p:to>
-                                        <p:strVal val="visible"/>
-                                      </p:to>
-                                    </p:set>
-                                  </p:childTnLst>
-                                </p:cTn>
-                              </p:par>
-                            </p:childTnLst>
-                          </p:cTn>
-                        </p:par>
-                      </p:childTnLst>
-                    </p:cTn>
-                  </p:par>
-                  <p:par>
-                    <p:cTn id="21" fill="hold">
-                      <p:stCondLst>
-                        <p:cond delay="indefinite"/>
-                      </p:stCondLst>
-                      <p:childTnLst>
-                        <p:par>
-                          <p:cTn id="22" fill="hold">
-                            <p:stCondLst>
-                              <p:cond delay="0"/>
-                            </p:stCondLst>
-                            <p:childTnLst>
-                              <p:par>
-                                <p:cTn id="23" presetID="1" presetClass="entr" presetSubtype="0" fill="hold" grpId="0" nodeType="clickEffect">
-                                  <p:stCondLst>
-                                    <p:cond delay="0"/>
-                                  </p:stCondLst>
-                                  <p:childTnLst>
-                                    <p:set>
-                                      <p:cBhvr>
-                                        <p:cTn id="24" dur="1" fill="hold">
-                                          <p:stCondLst>
-                                            <p:cond delay="0"/>
-                                          </p:stCondLst>
-                                        </p:cTn>
-                                        <p:tgtEl>
-                                          <p:spTgt spid="10">
-                                            <p:txEl>
-                                              <p:pRg st="9" end="9"/>
-                                            </p:txEl>
-                                          </p:spTgt>
-                                        </p:tgtEl>
-                                        <p:attrNameLst>
-                                          <p:attrName>style.visibility</p:attrName>
-                                        </p:attrNameLst>
-                                      </p:cBhvr>
-                                      <p:to>
-                                        <p:strVal val="visible"/>
-                                      </p:to>
-                                    </p:set>
-                                  </p:childTnLst>
-                                </p:cTn>
-                              </p:par>
-                              <p:par>
-                                <p:cTn id="25" presetID="1" presetClass="entr" presetSubtype="0" fill="hold" grpId="0" nodeType="withEffect">
-                                  <p:stCondLst>
-                                    <p:cond delay="0"/>
-                                  </p:stCondLst>
-                                  <p:childTnLst>
-                                    <p:set>
-                                      <p:cBhvr>
-                                        <p:cTn id="26" dur="1" fill="hold">
                                           <p:stCondLst>
                                             <p:cond delay="0"/>
                                           </p:stCondLst>
@@ -6170,13 +6113,8 @@
             <a:pPr lvl="1"/>
             <a:r>
               <a:rPr lang="en-US" sz="1800" dirty="0"/>
-              <a:t>describe how you use the touchscreen features in the project</a:t>
-            </a:r>
-          </a:p>
-          <a:p>
-            <a:pPr marL="456913" lvl="1" indent="0">
-              <a:buNone/>
-            </a:pPr>
+              <a:t>Touch the screen to restart the music</a:t>
+            </a:r>
             <a:endParaRPr lang="en-US" sz="1600" dirty="0"/>
           </a:p>
           <a:p>
@@ -6199,34 +6137,13 @@
               <a:rPr lang="en-US" sz="1800" dirty="0"/>
               <a:t> library to loop 4wtudone.it in the background</a:t>
             </a:r>
-            <a:endParaRPr lang="en-US" sz="1600" dirty="0"/>
-          </a:p>
-          <a:p>
-            <a:r>
-              <a:rPr lang="en-US" sz="2000" b="1" dirty="0"/>
-              <a:t>Secondary Storage (optional)</a:t>
-            </a:r>
           </a:p>
           <a:p>
             <a:pPr lvl="1"/>
             <a:r>
               <a:rPr lang="en-US" sz="1800" dirty="0"/>
-              <a:t>describe how you use the </a:t>
-            </a:r>
-            <a:r>
-              <a:rPr lang="en-US" sz="1800" dirty="0" err="1"/>
-              <a:t>SDcard</a:t>
-            </a:r>
-            <a:r>
-              <a:rPr lang="en-US" sz="1800" dirty="0"/>
-              <a:t> file system in the project</a:t>
-            </a:r>
-          </a:p>
-          <a:p>
-            <a:pPr marL="456913" lvl="1" indent="0">
-              <a:buNone/>
-            </a:pPr>
-            <a:endParaRPr lang="en-US" sz="1800" dirty="0"/>
+              <a:t>wav sound effects for hitting spikes, evolution, and item collection</a:t>
+            </a:r>
           </a:p>
           <a:p>
             <a:r>
@@ -6239,8 +6156,13 @@
             <a:pPr lvl="1"/>
             <a:r>
               <a:rPr lang="en-US" sz="1800" dirty="0"/>
-              <a:t>The main playable character is a dinosaur sprite, moving across the map and jumping in response to key presses.</a:t>
-            </a:r>
+              <a:t>The main playable character is a dinosaur sprite, moving across the map and jumping in response to key presses. It flips horizontally based on </a:t>
+            </a:r>
+            <a:r>
+              <a:rPr lang="en-US" sz="1800"/>
+              <a:t>the direction it is facing</a:t>
+            </a:r>
+            <a:endParaRPr lang="en-US" sz="1800" dirty="0"/>
           </a:p>
           <a:p>
             <a:endParaRPr lang="en-US" sz="2200" dirty="0"/>
@@ -6316,15 +6238,33 @@
                                   </p:childTnLst>
                                 </p:cTn>
                               </p:par>
+                            </p:childTnLst>
+                          </p:cTn>
+                        </p:par>
+                      </p:childTnLst>
+                    </p:cTn>
+                  </p:par>
+                  <p:par>
+                    <p:cTn id="7" fill="hold">
+                      <p:stCondLst>
+                        <p:cond delay="indefinite"/>
+                      </p:stCondLst>
+                      <p:childTnLst>
+                        <p:par>
+                          <p:cTn id="8" fill="hold">
+                            <p:stCondLst>
+                              <p:cond delay="0"/>
+                            </p:stCondLst>
+                            <p:childTnLst>
                               <p:par>
-                                <p:cTn id="7" presetID="1" presetClass="entr" presetSubtype="0" fill="hold" grpId="0" nodeType="withEffect">
+                                <p:cTn id="9" presetID="1" presetClass="entr" presetSubtype="0" fill="hold" grpId="0" nodeType="clickEffect">
                                   <p:stCondLst>
                                     <p:cond delay="0"/>
                                   </p:stCondLst>
                                   <p:childTnLst>
                                     <p:set>
                                       <p:cBhvr>
-                                        <p:cTn id="8" dur="1" fill="hold">
+                                        <p:cTn id="10" dur="1" fill="hold">
                                           <p:stCondLst>
                                             <p:cond delay="0"/>
                                           </p:stCondLst>
@@ -6332,7 +6272,7 @@
                                         <p:tgtEl>
                                           <p:spTgt spid="10">
                                             <p:txEl>
-                                              <p:pRg st="2" end="2"/>
+                                              <p:pRg st="3" end="3"/>
                                             </p:txEl>
                                           </p:spTgt>
                                         </p:tgtEl>
@@ -6354,26 +6294,26 @@
                     </p:cTn>
                   </p:par>
                   <p:par>
-                    <p:cTn id="9" fill="hold">
+                    <p:cTn id="11" fill="hold">
                       <p:stCondLst>
                         <p:cond delay="indefinite"/>
                       </p:stCondLst>
                       <p:childTnLst>
                         <p:par>
-                          <p:cTn id="10" fill="hold">
+                          <p:cTn id="12" fill="hold">
                             <p:stCondLst>
                               <p:cond delay="0"/>
                             </p:stCondLst>
                             <p:childTnLst>
                               <p:par>
-                                <p:cTn id="11" presetID="1" presetClass="entr" presetSubtype="0" fill="hold" grpId="0" nodeType="clickEffect">
+                                <p:cTn id="13" presetID="1" presetClass="entr" presetSubtype="0" fill="hold" grpId="0" nodeType="clickEffect">
                                   <p:stCondLst>
                                     <p:cond delay="0"/>
                                   </p:stCondLst>
                                   <p:childTnLst>
                                     <p:set>
                                       <p:cBhvr>
-                                        <p:cTn id="12" dur="1" fill="hold">
+                                        <p:cTn id="14" dur="1" fill="hold">
                                           <p:stCondLst>
                                             <p:cond delay="0"/>
                                           </p:stCondLst>
@@ -6403,50 +6343,19 @@
                     </p:cTn>
                   </p:par>
                   <p:par>
-                    <p:cTn id="13" fill="hold">
+                    <p:cTn id="15" fill="hold">
                       <p:stCondLst>
                         <p:cond delay="indefinite"/>
                       </p:stCondLst>
                       <p:childTnLst>
                         <p:par>
-                          <p:cTn id="14" fill="hold">
+                          <p:cTn id="16" fill="hold">
                             <p:stCondLst>
                               <p:cond delay="0"/>
                             </p:stCondLst>
                             <p:childTnLst>
                               <p:par>
-                                <p:cTn id="15" presetID="1" presetClass="entr" presetSubtype="0" fill="hold" grpId="0" nodeType="clickEffect">
-                                  <p:stCondLst>
-                                    <p:cond delay="0"/>
-                                  </p:stCondLst>
-                                  <p:childTnLst>
-                                    <p:set>
-                                      <p:cBhvr>
-                                        <p:cTn id="16" dur="1" fill="hold">
-                                          <p:stCondLst>
-                                            <p:cond delay="0"/>
-                                          </p:stCondLst>
-                                        </p:cTn>
-                                        <p:tgtEl>
-                                          <p:spTgt spid="10">
-                                            <p:txEl>
-                                              <p:pRg st="6" end="6"/>
-                                            </p:txEl>
-                                          </p:spTgt>
-                                        </p:tgtEl>
-                                        <p:attrNameLst>
-                                          <p:attrName>style.visibility</p:attrName>
-                                        </p:attrNameLst>
-                                      </p:cBhvr>
-                                      <p:to>
-                                        <p:strVal val="visible"/>
-                                      </p:to>
-                                    </p:set>
-                                  </p:childTnLst>
-                                </p:cTn>
-                              </p:par>
-                              <p:par>
-                                <p:cTn id="17" presetID="1" presetClass="entr" presetSubtype="0" fill="hold" grpId="0" nodeType="withEffect">
+                                <p:cTn id="17" presetID="1" presetClass="entr" presetSubtype="0" fill="hold" grpId="0" nodeType="clickEffect">
                                   <p:stCondLst>
                                     <p:cond delay="0"/>
                                   </p:stCondLst>
@@ -6461,7 +6370,7 @@
                                         <p:tgtEl>
                                           <p:spTgt spid="10">
                                             <p:txEl>
-                                              <p:pRg st="7" end="7"/>
+                                              <p:pRg st="5" end="5"/>
                                             </p:txEl>
                                           </p:spTgt>
                                         </p:tgtEl>
@@ -6510,7 +6419,7 @@
                                         <p:tgtEl>
                                           <p:spTgt spid="10">
                                             <p:txEl>
-                                              <p:pRg st="9" end="9"/>
+                                              <p:pRg st="6" end="6"/>
                                             </p:txEl>
                                           </p:spTgt>
                                         </p:tgtEl>
@@ -6541,7 +6450,7 @@
                                         <p:tgtEl>
                                           <p:spTgt spid="10">
                                             <p:txEl>
-                                              <p:pRg st="10" end="10"/>
+                                              <p:pRg st="7" end="7"/>
                                             </p:txEl>
                                           </p:spTgt>
                                         </p:tgtEl>

--- a/docs/Dino_Run_Presentation.pptx
+++ b/docs/Dino_Run_Presentation.pptx
@@ -5648,14 +5648,20 @@
             <a:pPr lvl="1"/>
             <a:r>
               <a:rPr lang="en-US" sz="1800" dirty="0"/>
-              <a:t>describe what you use the ARM9 (and optionally the ARM7) for</a:t>
-            </a:r>
-            <a:endParaRPr lang="en-US" dirty="0"/>
-          </a:p>
-          <a:p>
-            <a:pPr>
-              <a:buNone/>
-            </a:pPr>
+              <a:t>ARM9: Timers/Interrupts</a:t>
+            </a:r>
+            <a:r>
+              <a:rPr lang="en-US" sz="1800"/>
+              <a:t>, LCD TFT, A/up/left/right keys</a:t>
+            </a:r>
+            <a:endParaRPr lang="en-US" sz="1800" dirty="0"/>
+          </a:p>
+          <a:p>
+            <a:pPr lvl="1"/>
+            <a:r>
+              <a:rPr lang="en-US" sz="1800" dirty="0"/>
+              <a:t>ARM7: Touchscreen, Audio</a:t>
+            </a:r>
             <a:endParaRPr lang="en-US" sz="1600" dirty="0"/>
           </a:p>
           <a:p>
@@ -5738,7 +5744,7 @@
             <a:pPr lvl="1"/>
             <a:r>
               <a:rPr lang="en-US" sz="1800" dirty="0"/>
-              <a:t>Press up or A to start the game/make the sprite jump</a:t>
+              <a:t>Press up or A to make the sprite jump</a:t>
             </a:r>
           </a:p>
           <a:p>
@@ -5854,6 +5860,37 @@
                                   </p:childTnLst>
                                 </p:cTn>
                               </p:par>
+                              <p:par>
+                                <p:cTn id="9" presetID="1" presetClass="entr" presetSubtype="0" fill="hold" grpId="0" nodeType="withEffect">
+                                  <p:stCondLst>
+                                    <p:cond delay="0"/>
+                                  </p:stCondLst>
+                                  <p:childTnLst>
+                                    <p:set>
+                                      <p:cBhvr>
+                                        <p:cTn id="10" dur="1" fill="hold">
+                                          <p:stCondLst>
+                                            <p:cond delay="0"/>
+                                          </p:stCondLst>
+                                        </p:cTn>
+                                        <p:tgtEl>
+                                          <p:spTgt spid="10">
+                                            <p:txEl>
+                                              <p:pRg st="2" end="2"/>
+                                            </p:txEl>
+                                          </p:spTgt>
+                                        </p:tgtEl>
+                                        <p:attrNameLst>
+                                          <p:attrName>style.visibility</p:attrName>
+                                        </p:attrNameLst>
+                                      </p:cBhvr>
+                                      <p:to>
+                                        <p:strVal val="visible"/>
+                                      </p:to>
+                                    </p:set>
+                                  </p:childTnLst>
+                                </p:cTn>
+                              </p:par>
                             </p:childTnLst>
                           </p:cTn>
                         </p:par>
@@ -5861,26 +5898,26 @@
                     </p:cTn>
                   </p:par>
                   <p:par>
-                    <p:cTn id="9" fill="hold">
+                    <p:cTn id="11" fill="hold">
                       <p:stCondLst>
                         <p:cond delay="indefinite"/>
                       </p:stCondLst>
                       <p:childTnLst>
                         <p:par>
-                          <p:cTn id="10" fill="hold">
+                          <p:cTn id="12" fill="hold">
                             <p:stCondLst>
                               <p:cond delay="0"/>
                             </p:stCondLst>
                             <p:childTnLst>
                               <p:par>
-                                <p:cTn id="11" presetID="1" presetClass="entr" presetSubtype="0" fill="hold" grpId="0" nodeType="clickEffect">
+                                <p:cTn id="13" presetID="1" presetClass="entr" presetSubtype="0" fill="hold" grpId="0" nodeType="clickEffect">
                                   <p:stCondLst>
                                     <p:cond delay="0"/>
                                   </p:stCondLst>
                                   <p:childTnLst>
                                     <p:set>
                                       <p:cBhvr>
-                                        <p:cTn id="12" dur="1" fill="hold">
+                                        <p:cTn id="14" dur="1" fill="hold">
                                           <p:stCondLst>
                                             <p:cond delay="0"/>
                                           </p:stCondLst>
@@ -5910,26 +5947,26 @@
                     </p:cTn>
                   </p:par>
                   <p:par>
-                    <p:cTn id="13" fill="hold">
+                    <p:cTn id="15" fill="hold">
                       <p:stCondLst>
                         <p:cond delay="indefinite"/>
                       </p:stCondLst>
                       <p:childTnLst>
                         <p:par>
-                          <p:cTn id="14" fill="hold">
+                          <p:cTn id="16" fill="hold">
                             <p:stCondLst>
                               <p:cond delay="0"/>
                             </p:stCondLst>
                             <p:childTnLst>
                               <p:par>
-                                <p:cTn id="15" presetID="1" presetClass="entr" presetSubtype="0" fill="hold" grpId="0" nodeType="clickEffect">
+                                <p:cTn id="17" presetID="1" presetClass="entr" presetSubtype="0" fill="hold" grpId="0" nodeType="clickEffect">
                                   <p:stCondLst>
                                     <p:cond delay="0"/>
                                   </p:stCondLst>
                                   <p:childTnLst>
                                     <p:set>
                                       <p:cBhvr>
-                                        <p:cTn id="16" dur="1" fill="hold">
+                                        <p:cTn id="18" dur="1" fill="hold">
                                           <p:stCondLst>
                                             <p:cond delay="0"/>
                                           </p:stCondLst>
@@ -5959,26 +5996,26 @@
                     </p:cTn>
                   </p:par>
                   <p:par>
-                    <p:cTn id="17" fill="hold">
+                    <p:cTn id="19" fill="hold">
                       <p:stCondLst>
                         <p:cond delay="indefinite"/>
                       </p:stCondLst>
                       <p:childTnLst>
                         <p:par>
-                          <p:cTn id="18" fill="hold">
+                          <p:cTn id="20" fill="hold">
                             <p:stCondLst>
                               <p:cond delay="0"/>
                             </p:stCondLst>
                             <p:childTnLst>
                               <p:par>
-                                <p:cTn id="19" presetID="1" presetClass="entr" presetSubtype="0" fill="hold" grpId="0" nodeType="clickEffect">
+                                <p:cTn id="21" presetID="1" presetClass="entr" presetSubtype="0" fill="hold" grpId="0" nodeType="clickEffect">
                                   <p:stCondLst>
                                     <p:cond delay="0"/>
                                   </p:stCondLst>
                                   <p:childTnLst>
                                     <p:set>
                                       <p:cBhvr>
-                                        <p:cTn id="20" dur="1" fill="hold">
+                                        <p:cTn id="22" dur="1" fill="hold">
                                           <p:stCondLst>
                                             <p:cond delay="0"/>
                                           </p:stCondLst>
@@ -6148,7 +6185,7 @@
           <a:p>
             <a:r>
               <a:rPr lang="en-US" sz="2000" b="1" dirty="0"/>
-              <a:t>Sprites (optional)</a:t>
+              <a:t>Sprites</a:t>
             </a:r>
             <a:endParaRPr lang="en-US" sz="2200" b="1" dirty="0"/>
           </a:p>
@@ -6156,13 +6193,8 @@
             <a:pPr lvl="1"/>
             <a:r>
               <a:rPr lang="en-US" sz="1800" dirty="0"/>
-              <a:t>The main playable character is a dinosaur sprite, moving across the map and jumping in response to key presses. It flips horizontally based on </a:t>
-            </a:r>
-            <a:r>
-              <a:rPr lang="en-US" sz="1800"/>
-              <a:t>the direction it is facing</a:t>
-            </a:r>
-            <a:endParaRPr lang="en-US" sz="1800" dirty="0"/>
+              <a:t>The main playable character is a dinosaur sprite, moving across the map and jumping in response to key presses. It flips horizontally based on the direction it is facing</a:t>
+            </a:r>
           </a:p>
           <a:p>
             <a:endParaRPr lang="en-US" sz="2200" dirty="0"/>
@@ -6578,6 +6610,36 @@
           </a:p>
         </p:txBody>
       </p:sp>
+      <p:pic>
+        <p:nvPicPr>
+          <p:cNvPr id="11" name="Image 10">
+            <a:extLst>
+              <a:ext uri="{FF2B5EF4-FFF2-40B4-BE49-F238E27FC236}">
+                <a16:creationId xmlns:a16="http://schemas.microsoft.com/office/drawing/2014/main" id="{7EE31FA5-5209-76D9-77CA-965A29A6DE47}"/>
+              </a:ext>
+            </a:extLst>
+          </p:cNvPr>
+          <p:cNvPicPr>
+            <a:picLocks noChangeAspect="1"/>
+          </p:cNvPicPr>
+          <p:nvPr/>
+        </p:nvPicPr>
+        <p:blipFill>
+          <a:blip r:embed="rId3"/>
+          <a:stretch>
+            <a:fillRect/>
+          </a:stretch>
+        </p:blipFill>
+        <p:spPr>
+          <a:xfrm>
+            <a:off x="2391048" y="2351313"/>
+            <a:ext cx="4537893" cy="4036423"/>
+          </a:xfrm>
+          <a:prstGeom prst="rect">
+            <a:avLst/>
+          </a:prstGeom>
+        </p:spPr>
+      </p:pic>
     </p:spTree>
   </p:cSld>
   <p:clrMapOvr>

--- a/docs/Dino_Run_Presentation.pptx
+++ b/docs/Dino_Run_Presentation.pptx
@@ -5648,13 +5648,8 @@
             <a:pPr lvl="1"/>
             <a:r>
               <a:rPr lang="en-US" sz="1800" dirty="0"/>
-              <a:t>ARM9: Timers/Interrupts</a:t>
-            </a:r>
-            <a:r>
-              <a:rPr lang="en-US" sz="1800"/>
-              <a:t>, LCD TFT, A/up/left/right keys</a:t>
-            </a:r>
-            <a:endParaRPr lang="en-US" sz="1800" dirty="0"/>
+              <a:t>ARM9: Timers/Interrupts, LCD TFT, A/up/left/right keys</a:t>
+            </a:r>
           </a:p>
           <a:p>
             <a:pPr lvl="1"/>
@@ -5681,7 +5676,7 @@
             <a:pPr lvl="1"/>
             <a:r>
               <a:rPr lang="en-US" sz="1800" dirty="0"/>
-              <a:t>Collisions are tested more frequently(4 times a second), obstacles and items are introduced at regular intervals (5 and 11 seconds, and 6 seconds respectively)</a:t>
+              <a:t>Collisions are tested more frequently(12 times a second), the level graphics are updated(4 times a second),obstacles and items are introduced at regular intervals (5 and 11 seconds, and 6 seconds respectively)</a:t>
             </a:r>
             <a:endParaRPr lang="en-US" sz="1600" dirty="0"/>
           </a:p>
